--- a/Pocket_Calculator_Presentation.pptx
+++ b/Pocket_Calculator_Presentation.pptx
@@ -13,7 +13,8 @@
     <p:sldId id="261" r:id="rId7"/>
     <p:sldId id="262" r:id="rId8"/>
     <p:sldId id="263" r:id="rId9"/>
-    <p:sldId id="264" r:id="rId10"/>
+    <p:sldId id="265" r:id="rId10"/>
+    <p:sldId id="264" r:id="rId11"/>
   </p:sldIdLst>
   <p:sldSz cx="9144000" cy="6858000" type="screen4x3"/>
   <p:notesSz cx="6858000" cy="9144000"/>
@@ -335,7 +336,7 @@
             <a:fld id="{5BCAD085-E8A6-8845-BD4E-CB4CCA059FC4}" type="datetimeFigureOut">
               <a:rPr lang="en-US" smtClean="0"/>
               <a:pPr/>
-              <a:t>5/7/2025</a:t>
+              <a:t>5/8/2025</a:t>
             </a:fld>
             <a:endParaRPr lang="en-US"/>
           </a:p>
@@ -524,7 +525,7 @@
             <a:fld id="{5BCAD085-E8A6-8845-BD4E-CB4CCA059FC4}" type="datetimeFigureOut">
               <a:rPr lang="en-US" smtClean="0"/>
               <a:pPr/>
-              <a:t>5/7/2025</a:t>
+              <a:t>5/8/2025</a:t>
             </a:fld>
             <a:endParaRPr lang="en-US"/>
           </a:p>
@@ -701,7 +702,7 @@
             <a:fld id="{5BCAD085-E8A6-8845-BD4E-CB4CCA059FC4}" type="datetimeFigureOut">
               <a:rPr lang="en-US" smtClean="0"/>
               <a:pPr/>
-              <a:t>5/7/2025</a:t>
+              <a:t>5/8/2025</a:t>
             </a:fld>
             <a:endParaRPr lang="en-US"/>
           </a:p>
@@ -883,7 +884,7 @@
             <a:fld id="{5BCAD085-E8A6-8845-BD4E-CB4CCA059FC4}" type="datetimeFigureOut">
               <a:rPr lang="en-US" smtClean="0"/>
               <a:pPr/>
-              <a:t>5/7/2025</a:t>
+              <a:t>5/8/2025</a:t>
             </a:fld>
             <a:endParaRPr lang="en-US"/>
           </a:p>
@@ -1132,7 +1133,7 @@
             <a:fld id="{5BCAD085-E8A6-8845-BD4E-CB4CCA059FC4}" type="datetimeFigureOut">
               <a:rPr lang="en-US" smtClean="0"/>
               <a:pPr/>
-              <a:t>5/7/2025</a:t>
+              <a:t>5/8/2025</a:t>
             </a:fld>
             <a:endParaRPr lang="en-US"/>
           </a:p>
@@ -1608,7 +1609,7 @@
             <a:fld id="{5BCAD085-E8A6-8845-BD4E-CB4CCA059FC4}" type="datetimeFigureOut">
               <a:rPr lang="en-US" smtClean="0"/>
               <a:pPr/>
-              <a:t>5/7/2025</a:t>
+              <a:t>5/8/2025</a:t>
             </a:fld>
             <a:endParaRPr lang="en-US"/>
           </a:p>
@@ -2025,7 +2026,7 @@
             <a:fld id="{5BCAD085-E8A6-8845-BD4E-CB4CCA059FC4}" type="datetimeFigureOut">
               <a:rPr lang="en-US" smtClean="0"/>
               <a:pPr/>
-              <a:t>5/7/2025</a:t>
+              <a:t>5/8/2025</a:t>
             </a:fld>
             <a:endParaRPr lang="en-US"/>
           </a:p>
@@ -2158,7 +2159,7 @@
             <a:fld id="{5BCAD085-E8A6-8845-BD4E-CB4CCA059FC4}" type="datetimeFigureOut">
               <a:rPr lang="en-US" smtClean="0"/>
               <a:pPr/>
-              <a:t>5/7/2025</a:t>
+              <a:t>5/8/2025</a:t>
             </a:fld>
             <a:endParaRPr lang="en-US"/>
           </a:p>
@@ -2255,7 +2256,7 @@
             <a:fld id="{5BCAD085-E8A6-8845-BD4E-CB4CCA059FC4}" type="datetimeFigureOut">
               <a:rPr lang="en-US" smtClean="0"/>
               <a:pPr/>
-              <a:t>5/7/2025</a:t>
+              <a:t>5/8/2025</a:t>
             </a:fld>
             <a:endParaRPr lang="en-US"/>
           </a:p>
@@ -2535,7 +2536,7 @@
             <a:fld id="{5BCAD085-E8A6-8845-BD4E-CB4CCA059FC4}" type="datetimeFigureOut">
               <a:rPr lang="en-US" smtClean="0"/>
               <a:pPr/>
-              <a:t>5/7/2025</a:t>
+              <a:t>5/8/2025</a:t>
             </a:fld>
             <a:endParaRPr lang="en-US"/>
           </a:p>
@@ -2789,7 +2790,7 @@
             <a:fld id="{5BCAD085-E8A6-8845-BD4E-CB4CCA059FC4}" type="datetimeFigureOut">
               <a:rPr lang="en-US" smtClean="0"/>
               <a:pPr/>
-              <a:t>5/7/2025</a:t>
+              <a:t>5/8/2025</a:t>
             </a:fld>
             <a:endParaRPr lang="en-US"/>
           </a:p>
@@ -3163,7 +3164,7 @@
             <a:fld id="{5BCAD085-E8A6-8845-BD4E-CB4CCA059FC4}" type="datetimeFigureOut">
               <a:rPr lang="en-US" smtClean="0"/>
               <a:pPr/>
-              <a:t>5/7/2025</a:t>
+              <a:t>5/8/2025</a:t>
             </a:fld>
             <a:endParaRPr lang="en-US"/>
           </a:p>
@@ -3679,6 +3680,83 @@
 </p:sld>
 </file>
 
+<file path=ppt/slides/slide10.xml><?xml version="1.0" encoding="utf-8"?>
+<p:sld xmlns:a="http://schemas.openxmlformats.org/drawingml/2006/main" xmlns:r="http://schemas.openxmlformats.org/officeDocument/2006/relationships" xmlns:p="http://schemas.openxmlformats.org/presentationml/2006/main">
+  <p:cSld>
+    <p:spTree>
+      <p:nvGrpSpPr>
+        <p:cNvPr id="1" name=""/>
+        <p:cNvGrpSpPr/>
+        <p:nvPr/>
+      </p:nvGrpSpPr>
+      <p:grpSpPr>
+        <a:xfrm>
+          <a:off x="0" y="0"/>
+          <a:ext cx="0" cy="0"/>
+          <a:chOff x="0" y="0"/>
+          <a:chExt cx="0" cy="0"/>
+        </a:xfrm>
+      </p:grpSpPr>
+      <p:sp>
+        <p:nvSpPr>
+          <p:cNvPr id="2" name="Title 1"/>
+          <p:cNvSpPr>
+            <a:spLocks noGrp="1"/>
+          </p:cNvSpPr>
+          <p:nvPr>
+            <p:ph type="title"/>
+          </p:nvPr>
+        </p:nvSpPr>
+        <p:spPr/>
+        <p:style>
+          <a:lnRef idx="1">
+            <a:schemeClr val="accent4"/>
+          </a:lnRef>
+          <a:fillRef idx="2">
+            <a:schemeClr val="accent4"/>
+          </a:fillRef>
+          <a:effectRef idx="1">
+            <a:schemeClr val="accent4"/>
+          </a:effectRef>
+          <a:fontRef idx="minor">
+            <a:schemeClr val="dk1"/>
+          </a:fontRef>
+        </p:style>
+        <p:txBody>
+          <a:bodyPr/>
+          <a:lstStyle/>
+          <a:p>
+            <a:pPr algn="ctr"/>
+            <a:r>
+              <a:rPr lang="en-US" dirty="0" smtClean="0">
+                <a:latin typeface="Copperplate Gothic Bold" pitchFamily="34" charset="0"/>
+              </a:rPr>
+              <a:t>Thank You</a:t>
+            </a:r>
+            <a:endParaRPr lang="en-US" dirty="0">
+              <a:latin typeface="Copperplate Gothic Bold" pitchFamily="34" charset="0"/>
+            </a:endParaRPr>
+          </a:p>
+        </p:txBody>
+      </p:sp>
+    </p:spTree>
+  </p:cSld>
+  <p:clrMapOvr>
+    <a:masterClrMapping/>
+  </p:clrMapOvr>
+  <p:transition>
+    <p:wedge/>
+  </p:transition>
+  <p:timing>
+    <p:tnLst>
+      <p:par>
+        <p:cTn id="1" dur="indefinite" restart="never" nodeType="tmRoot"/>
+      </p:par>
+    </p:tnLst>
+  </p:timing>
+</p:sld>
+</file>
+
 <file path=ppt/slides/slide2.xml><?xml version="1.0" encoding="utf-8"?>
 <p:sld xmlns:a="http://schemas.openxmlformats.org/drawingml/2006/main" xmlns:r="http://schemas.openxmlformats.org/officeDocument/2006/relationships" xmlns:p="http://schemas.openxmlformats.org/presentationml/2006/main">
   <p:cSld>
@@ -4519,63 +4597,38 @@
           <a:chExt cx="0" cy="0"/>
         </a:xfrm>
       </p:grpSpPr>
-      <p:sp>
-        <p:nvSpPr>
-          <p:cNvPr id="2" name="Title 1"/>
-          <p:cNvSpPr>
-            <a:spLocks noGrp="1"/>
-          </p:cNvSpPr>
-          <p:nvPr>
-            <p:ph type="title"/>
-          </p:nvPr>
-        </p:nvSpPr>
-        <p:spPr/>
-        <p:style>
-          <a:lnRef idx="1">
-            <a:schemeClr val="accent4"/>
-          </a:lnRef>
-          <a:fillRef idx="2">
-            <a:schemeClr val="accent4"/>
-          </a:fillRef>
-          <a:effectRef idx="1">
-            <a:schemeClr val="accent4"/>
-          </a:effectRef>
-          <a:fontRef idx="minor">
-            <a:schemeClr val="dk1"/>
-          </a:fontRef>
-        </p:style>
-        <p:txBody>
-          <a:bodyPr/>
-          <a:lstStyle/>
-          <a:p>
-            <a:pPr algn="ctr"/>
-            <a:r>
-              <a:rPr lang="en-US" dirty="0" smtClean="0">
-                <a:latin typeface="Copperplate Gothic Bold" pitchFamily="34" charset="0"/>
-              </a:rPr>
-              <a:t>Thank You</a:t>
-            </a:r>
-            <a:endParaRPr lang="en-US" dirty="0">
-              <a:latin typeface="Copperplate Gothic Bold" pitchFamily="34" charset="0"/>
-            </a:endParaRPr>
-          </a:p>
-        </p:txBody>
-      </p:sp>
+      <p:pic>
+        <p:nvPicPr>
+          <p:cNvPr id="4" name="Picture 3" descr="Screenshot pocket calci.png"/>
+          <p:cNvPicPr>
+            <a:picLocks noChangeAspect="1"/>
+          </p:cNvPicPr>
+          <p:nvPr/>
+        </p:nvPicPr>
+        <p:blipFill>
+          <a:blip r:embed="rId2"/>
+          <a:stretch>
+            <a:fillRect/>
+          </a:stretch>
+        </p:blipFill>
+        <p:spPr>
+          <a:xfrm>
+            <a:off x="1519312" y="224812"/>
+            <a:ext cx="5753686" cy="6284795"/>
+          </a:xfrm>
+          <a:prstGeom prst="rect">
+            <a:avLst/>
+          </a:prstGeom>
+        </p:spPr>
+      </p:pic>
     </p:spTree>
   </p:cSld>
   <p:clrMapOvr>
     <a:masterClrMapping/>
   </p:clrMapOvr>
   <p:transition>
-    <p:wedge/>
+    <p:pull dir="d"/>
   </p:transition>
-  <p:timing>
-    <p:tnLst>
-      <p:par>
-        <p:cTn id="1" dur="indefinite" restart="never" nodeType="tmRoot"/>
-      </p:par>
-    </p:tnLst>
-  </p:timing>
 </p:sld>
 </file>
 
